--- a/docs/(참고)virtuabox-설치관련.pptx
+++ b/docs/(참고)virtuabox-설치관련.pptx
@@ -387,7 +387,7 @@
           <a:p>
             <a:fld id="{932DE75C-D76B-447C-8317-58F045462BDF}" type="datetimeFigureOut">
               <a:rPr lang="ko-KR" altLang="en-US" smtClean="0"/>
-              <a:t>2022-01-15</a:t>
+              <a:t>2022-01-21</a:t>
             </a:fld>
             <a:endParaRPr lang="ko-KR" altLang="en-US"/>
           </a:p>
@@ -3923,18 +3923,14 @@
                 </a:solidFill>
                 <a:latin typeface="Monaco"/>
               </a:rPr>
-              <a:t>다운그레이드 설치</a:t>
-            </a:r>
-            <a:r>
-              <a:rPr lang="en-US" altLang="ko-KR" b="0" i="0" dirty="0">
-                <a:solidFill>
-                  <a:srgbClr val="555555"/>
-                </a:solidFill>
-                <a:effectLst/>
-                <a:latin typeface="Monaco"/>
-              </a:rPr>
-              <a:t> </a:t>
-            </a:r>
+              <a:t>또는</a:t>
+            </a:r>
+            <a:endParaRPr lang="en-US" altLang="ko-KR" dirty="0">
+              <a:solidFill>
+                <a:srgbClr val="555555"/>
+              </a:solidFill>
+              <a:latin typeface="Monaco"/>
+            </a:endParaRPr>
           </a:p>
           <a:p>
             <a:pPr marL="152400" indent="0">
@@ -3948,17 +3944,47 @@
                 <a:effectLst/>
                 <a:latin typeface="Monaco"/>
               </a:rPr>
-              <a:t>$ vagrant plugin install vagrant-</a:t>
-            </a:r>
-            <a:r>
-              <a:rPr lang="en-US" altLang="ko-KR" b="0" i="0" dirty="0" err="1">
+              <a:t>$ vagrant plugin uninstall </a:t>
+            </a:r>
+            <a:r>
+              <a:rPr lang="en-US" altLang="ko-KR" b="0" i="0">
                 <a:solidFill>
                   <a:srgbClr val="555555"/>
                 </a:solidFill>
                 <a:effectLst/>
                 <a:latin typeface="Monaco"/>
               </a:rPr>
-              <a:t>vbguest</a:t>
+              <a:t>hostmanager</a:t>
+            </a:r>
+            <a:endParaRPr lang="en-US" altLang="ko-KR" b="0" i="0" dirty="0">
+              <a:solidFill>
+                <a:srgbClr val="555555"/>
+              </a:solidFill>
+              <a:effectLst/>
+              <a:latin typeface="Monaco"/>
+            </a:endParaRPr>
+          </a:p>
+          <a:p>
+            <a:pPr marL="152400" indent="0">
+              <a:buNone/>
+            </a:pPr>
+            <a:r>
+              <a:rPr lang="en-US" altLang="ko-KR" dirty="0">
+                <a:solidFill>
+                  <a:srgbClr val="555555"/>
+                </a:solidFill>
+                <a:latin typeface="Monaco"/>
+              </a:rPr>
+              <a:t># </a:t>
+            </a:r>
+            <a:r>
+              <a:rPr lang="ko-KR" altLang="en-US" dirty="0">
+                <a:solidFill>
+                  <a:srgbClr val="555555"/>
+                </a:solidFill>
+                <a:latin typeface="Monaco"/>
+              </a:rPr>
+              <a:t>다운그레이드 설치</a:t>
             </a:r>
             <a:r>
               <a:rPr lang="en-US" altLang="ko-KR" b="0" i="0" dirty="0">
@@ -3968,8 +3994,104 @@
                 <a:effectLst/>
                 <a:latin typeface="Monaco"/>
               </a:rPr>
+              <a:t> </a:t>
+            </a:r>
+          </a:p>
+          <a:p>
+            <a:pPr marL="152400" indent="0">
+              <a:buNone/>
+            </a:pPr>
+            <a:r>
+              <a:rPr lang="en-US" altLang="ko-KR" b="0" i="0" dirty="0">
+                <a:solidFill>
+                  <a:srgbClr val="555555"/>
+                </a:solidFill>
+                <a:effectLst/>
+                <a:latin typeface="Monaco"/>
+              </a:rPr>
+              <a:t>$ vagrant plugin install vagrant-</a:t>
+            </a:r>
+            <a:r>
+              <a:rPr lang="en-US" altLang="ko-KR" b="0" i="0" dirty="0" err="1">
+                <a:solidFill>
+                  <a:srgbClr val="555555"/>
+                </a:solidFill>
+                <a:effectLst/>
+                <a:latin typeface="Monaco"/>
+              </a:rPr>
+              <a:t>vbguest</a:t>
+            </a:r>
+            <a:r>
+              <a:rPr lang="en-US" altLang="ko-KR" b="0" i="0" dirty="0">
+                <a:solidFill>
+                  <a:srgbClr val="555555"/>
+                </a:solidFill>
+                <a:effectLst/>
+                <a:latin typeface="Monaco"/>
+              </a:rPr>
               <a:t> --plugin-version 0.21</a:t>
             </a:r>
+          </a:p>
+          <a:p>
+            <a:pPr marL="152400" indent="0">
+              <a:buNone/>
+            </a:pPr>
+            <a:r>
+              <a:rPr lang="en-US" altLang="ko-KR" dirty="0">
+                <a:solidFill>
+                  <a:srgbClr val="555555"/>
+                </a:solidFill>
+                <a:latin typeface="Monaco"/>
+              </a:rPr>
+              <a:t># </a:t>
+            </a:r>
+            <a:r>
+              <a:rPr lang="ko-KR" altLang="en-US" dirty="0">
+                <a:solidFill>
+                  <a:srgbClr val="555555"/>
+                </a:solidFill>
+                <a:latin typeface="Monaco"/>
+              </a:rPr>
+              <a:t>호스트 매니저 설치</a:t>
+            </a:r>
+            <a:endParaRPr lang="en-US" altLang="ko-KR" dirty="0">
+              <a:solidFill>
+                <a:srgbClr val="555555"/>
+              </a:solidFill>
+              <a:latin typeface="Monaco"/>
+            </a:endParaRPr>
+          </a:p>
+          <a:p>
+            <a:pPr marL="152400" indent="0">
+              <a:buNone/>
+            </a:pPr>
+            <a:r>
+              <a:rPr lang="en-US" altLang="ko-KR" b="0" i="0" dirty="0">
+                <a:solidFill>
+                  <a:srgbClr val="555555"/>
+                </a:solidFill>
+                <a:effectLst/>
+                <a:latin typeface="Monaco"/>
+              </a:rPr>
+              <a:t>$ vagrant plugin install vagrant-</a:t>
+            </a:r>
+            <a:r>
+              <a:rPr lang="en-US" altLang="ko-KR" b="0" i="0" dirty="0" err="1">
+                <a:solidFill>
+                  <a:srgbClr val="555555"/>
+                </a:solidFill>
+                <a:effectLst/>
+                <a:latin typeface="Monaco"/>
+              </a:rPr>
+              <a:t>hostmanager</a:t>
+            </a:r>
+            <a:endParaRPr lang="en-US" altLang="ko-KR" b="0" i="0" dirty="0">
+              <a:solidFill>
+                <a:srgbClr val="555555"/>
+              </a:solidFill>
+              <a:effectLst/>
+              <a:latin typeface="Monaco"/>
+            </a:endParaRPr>
           </a:p>
           <a:p>
             <a:pPr marL="152400" indent="0">
